--- a/learn-bizapps-pr/dyn365-field-service/implement-get-started-with-microsoft-dynamics-365-for-field-service-mobile/media_layered/Mobile Images.pptx
+++ b/learn-bizapps-pr/dyn365-field-service/implement-get-started-with-microsoft-dynamics-365-for-field-service-mobile/media_layered/Mobile Images.pptx
@@ -273,7 +273,7 @@
           <a:p>
             <a:fld id="{4D79909E-5181-4493-844E-20F254F0FDEE}" type="datetimeFigureOut">
               <a:rPr lang="en-US" smtClean="0"/>
-              <a:t>11/20/2018</a:t>
+              <a:t>5/30/2019</a:t>
             </a:fld>
             <a:endParaRPr lang="en-US"/>
           </a:p>
@@ -471,7 +471,7 @@
           <a:p>
             <a:fld id="{4D79909E-5181-4493-844E-20F254F0FDEE}" type="datetimeFigureOut">
               <a:rPr lang="en-US" smtClean="0"/>
-              <a:t>11/20/2018</a:t>
+              <a:t>5/30/2019</a:t>
             </a:fld>
             <a:endParaRPr lang="en-US"/>
           </a:p>
@@ -679,7 +679,7 @@
           <a:p>
             <a:fld id="{4D79909E-5181-4493-844E-20F254F0FDEE}" type="datetimeFigureOut">
               <a:rPr lang="en-US" smtClean="0"/>
-              <a:t>11/20/2018</a:t>
+              <a:t>5/30/2019</a:t>
             </a:fld>
             <a:endParaRPr lang="en-US"/>
           </a:p>
@@ -877,7 +877,7 @@
           <a:p>
             <a:fld id="{4D79909E-5181-4493-844E-20F254F0FDEE}" type="datetimeFigureOut">
               <a:rPr lang="en-US" smtClean="0"/>
-              <a:t>11/20/2018</a:t>
+              <a:t>5/30/2019</a:t>
             </a:fld>
             <a:endParaRPr lang="en-US"/>
           </a:p>
@@ -1152,7 +1152,7 @@
           <a:p>
             <a:fld id="{4D79909E-5181-4493-844E-20F254F0FDEE}" type="datetimeFigureOut">
               <a:rPr lang="en-US" smtClean="0"/>
-              <a:t>11/20/2018</a:t>
+              <a:t>5/30/2019</a:t>
             </a:fld>
             <a:endParaRPr lang="en-US"/>
           </a:p>
@@ -1417,7 +1417,7 @@
           <a:p>
             <a:fld id="{4D79909E-5181-4493-844E-20F254F0FDEE}" type="datetimeFigureOut">
               <a:rPr lang="en-US" smtClean="0"/>
-              <a:t>11/20/2018</a:t>
+              <a:t>5/30/2019</a:t>
             </a:fld>
             <a:endParaRPr lang="en-US"/>
           </a:p>
@@ -1829,7 +1829,7 @@
           <a:p>
             <a:fld id="{4D79909E-5181-4493-844E-20F254F0FDEE}" type="datetimeFigureOut">
               <a:rPr lang="en-US" smtClean="0"/>
-              <a:t>11/20/2018</a:t>
+              <a:t>5/30/2019</a:t>
             </a:fld>
             <a:endParaRPr lang="en-US"/>
           </a:p>
@@ -1970,7 +1970,7 @@
           <a:p>
             <a:fld id="{4D79909E-5181-4493-844E-20F254F0FDEE}" type="datetimeFigureOut">
               <a:rPr lang="en-US" smtClean="0"/>
-              <a:t>11/20/2018</a:t>
+              <a:t>5/30/2019</a:t>
             </a:fld>
             <a:endParaRPr lang="en-US"/>
           </a:p>
@@ -2083,7 +2083,7 @@
           <a:p>
             <a:fld id="{4D79909E-5181-4493-844E-20F254F0FDEE}" type="datetimeFigureOut">
               <a:rPr lang="en-US" smtClean="0"/>
-              <a:t>11/20/2018</a:t>
+              <a:t>5/30/2019</a:t>
             </a:fld>
             <a:endParaRPr lang="en-US"/>
           </a:p>
@@ -2394,7 +2394,7 @@
           <a:p>
             <a:fld id="{4D79909E-5181-4493-844E-20F254F0FDEE}" type="datetimeFigureOut">
               <a:rPr lang="en-US" smtClean="0"/>
-              <a:t>11/20/2018</a:t>
+              <a:t>5/30/2019</a:t>
             </a:fld>
             <a:endParaRPr lang="en-US"/>
           </a:p>
@@ -2682,7 +2682,7 @@
           <a:p>
             <a:fld id="{4D79909E-5181-4493-844E-20F254F0FDEE}" type="datetimeFigureOut">
               <a:rPr lang="en-US" smtClean="0"/>
-              <a:t>11/20/2018</a:t>
+              <a:t>5/30/2019</a:t>
             </a:fld>
             <a:endParaRPr lang="en-US"/>
           </a:p>
@@ -2923,7 +2923,7 @@
           <a:p>
             <a:fld id="{4D79909E-5181-4493-844E-20F254F0FDEE}" type="datetimeFigureOut">
               <a:rPr lang="en-US" smtClean="0"/>
-              <a:t>11/20/2018</a:t>
+              <a:t>5/30/2019</a:t>
             </a:fld>
             <a:endParaRPr lang="en-US"/>
           </a:p>
@@ -7001,7 +7001,7 @@
             <a:pPr algn="ctr"/>
             <a:r>
               <a:rPr lang="en-US" dirty="0"/>
-              <a:t>Displays weather the tech is working online or offline</a:t>
+              <a:t>Displays whether the tech is working online or offline</a:t>
             </a:r>
           </a:p>
         </p:txBody>
